--- a/files/202006-mlws.pptx
+++ b/files/202006-mlws.pptx
@@ -5,7 +5,7 @@
     <p:sldMasterId id="2147483660" r:id="rId1"/>
   </p:sldMasterIdLst>
   <p:notesMasterIdLst>
-    <p:notesMasterId r:id="rId8"/>
+    <p:notesMasterId r:id="rId9"/>
   </p:notesMasterIdLst>
   <p:sldIdLst>
     <p:sldId id="256" r:id="rId2"/>
@@ -14,6 +14,7 @@
     <p:sldId id="260" r:id="rId5"/>
     <p:sldId id="262" r:id="rId6"/>
     <p:sldId id="263" r:id="rId7"/>
+    <p:sldId id="264" r:id="rId8"/>
   </p:sldIdLst>
   <p:sldSz cx="9144000" cy="6858000" type="screen4x3"/>
   <p:notesSz cx="6858000" cy="9144000"/>
@@ -202,7 +203,7 @@
           <a:p>
             <a:fld id="{C39C7D15-4791-48F1-ADB0-5FC1075EDE1E}" type="datetimeFigureOut">
               <a:rPr kumimoji="1" lang="ja-JP" altLang="en-US" smtClean="0"/>
-              <a:t>2020/6/1</a:t>
+              <a:t>2020/6/9</a:t>
             </a:fld>
             <a:endParaRPr kumimoji="1" lang="ja-JP" altLang="en-US"/>
           </a:p>
@@ -632,7 +633,7 @@
           <a:p>
             <a:fld id="{22A34879-0B83-440A-B05E-1EBA965CE5BC}" type="datetimeFigureOut">
               <a:rPr kumimoji="1" lang="ja-JP" altLang="en-US" smtClean="0"/>
-              <a:t>2020/6/1</a:t>
+              <a:t>2020/6/9</a:t>
             </a:fld>
             <a:endParaRPr kumimoji="1" lang="ja-JP" altLang="en-US"/>
           </a:p>
@@ -834,7 +835,7 @@
           <a:p>
             <a:fld id="{22A34879-0B83-440A-B05E-1EBA965CE5BC}" type="datetimeFigureOut">
               <a:rPr kumimoji="1" lang="ja-JP" altLang="en-US" smtClean="0"/>
-              <a:t>2020/6/1</a:t>
+              <a:t>2020/6/9</a:t>
             </a:fld>
             <a:endParaRPr kumimoji="1" lang="ja-JP" altLang="en-US"/>
           </a:p>
@@ -1046,7 +1047,7 @@
           <a:p>
             <a:fld id="{22A34879-0B83-440A-B05E-1EBA965CE5BC}" type="datetimeFigureOut">
               <a:rPr kumimoji="1" lang="ja-JP" altLang="en-US" smtClean="0"/>
-              <a:t>2020/6/1</a:t>
+              <a:t>2020/6/9</a:t>
             </a:fld>
             <a:endParaRPr kumimoji="1" lang="ja-JP" altLang="en-US"/>
           </a:p>
@@ -1248,7 +1249,7 @@
           <a:p>
             <a:fld id="{22A34879-0B83-440A-B05E-1EBA965CE5BC}" type="datetimeFigureOut">
               <a:rPr kumimoji="1" lang="ja-JP" altLang="en-US" smtClean="0"/>
-              <a:t>2020/6/1</a:t>
+              <a:t>2020/6/9</a:t>
             </a:fld>
             <a:endParaRPr kumimoji="1" lang="ja-JP" altLang="en-US"/>
           </a:p>
@@ -1492,7 +1493,7 @@
           <a:p>
             <a:fld id="{22A34879-0B83-440A-B05E-1EBA965CE5BC}" type="datetimeFigureOut">
               <a:rPr kumimoji="1" lang="ja-JP" altLang="en-US" smtClean="0"/>
-              <a:t>2020/6/1</a:t>
+              <a:t>2020/6/9</a:t>
             </a:fld>
             <a:endParaRPr kumimoji="1" lang="ja-JP" altLang="en-US"/>
           </a:p>
@@ -1788,7 +1789,7 @@
           <a:p>
             <a:fld id="{22A34879-0B83-440A-B05E-1EBA965CE5BC}" type="datetimeFigureOut">
               <a:rPr kumimoji="1" lang="ja-JP" altLang="en-US" smtClean="0"/>
-              <a:t>2020/6/1</a:t>
+              <a:t>2020/6/9</a:t>
             </a:fld>
             <a:endParaRPr kumimoji="1" lang="ja-JP" altLang="en-US"/>
           </a:p>
@@ -2219,7 +2220,7 @@
           <a:p>
             <a:fld id="{22A34879-0B83-440A-B05E-1EBA965CE5BC}" type="datetimeFigureOut">
               <a:rPr kumimoji="1" lang="ja-JP" altLang="en-US" smtClean="0"/>
-              <a:t>2020/6/1</a:t>
+              <a:t>2020/6/9</a:t>
             </a:fld>
             <a:endParaRPr kumimoji="1" lang="ja-JP" altLang="en-US"/>
           </a:p>
@@ -2337,7 +2338,7 @@
           <a:p>
             <a:fld id="{22A34879-0B83-440A-B05E-1EBA965CE5BC}" type="datetimeFigureOut">
               <a:rPr kumimoji="1" lang="ja-JP" altLang="en-US" smtClean="0"/>
-              <a:t>2020/6/1</a:t>
+              <a:t>2020/6/9</a:t>
             </a:fld>
             <a:endParaRPr kumimoji="1" lang="ja-JP" altLang="en-US"/>
           </a:p>
@@ -2432,7 +2433,7 @@
           <a:p>
             <a:fld id="{22A34879-0B83-440A-B05E-1EBA965CE5BC}" type="datetimeFigureOut">
               <a:rPr kumimoji="1" lang="ja-JP" altLang="en-US" smtClean="0"/>
-              <a:t>2020/6/1</a:t>
+              <a:t>2020/6/9</a:t>
             </a:fld>
             <a:endParaRPr kumimoji="1" lang="ja-JP" altLang="en-US"/>
           </a:p>
@@ -2741,7 +2742,7 @@
           <a:p>
             <a:fld id="{22A34879-0B83-440A-B05E-1EBA965CE5BC}" type="datetimeFigureOut">
               <a:rPr kumimoji="1" lang="ja-JP" altLang="en-US" smtClean="0"/>
-              <a:t>2020/6/1</a:t>
+              <a:t>2020/6/9</a:t>
             </a:fld>
             <a:endParaRPr kumimoji="1" lang="ja-JP" altLang="en-US"/>
           </a:p>
@@ -2998,7 +2999,7 @@
           <a:p>
             <a:fld id="{22A34879-0B83-440A-B05E-1EBA965CE5BC}" type="datetimeFigureOut">
               <a:rPr kumimoji="1" lang="ja-JP" altLang="en-US" smtClean="0"/>
-              <a:t>2020/6/1</a:t>
+              <a:t>2020/6/9</a:t>
             </a:fld>
             <a:endParaRPr kumimoji="1" lang="ja-JP" altLang="en-US"/>
           </a:p>
@@ -3243,7 +3244,7 @@
           <a:p>
             <a:fld id="{22A34879-0B83-440A-B05E-1EBA965CE5BC}" type="datetimeFigureOut">
               <a:rPr kumimoji="1" lang="ja-JP" altLang="en-US" smtClean="0"/>
-              <a:t>2020/6/1</a:t>
+              <a:t>2020/6/9</a:t>
             </a:fld>
             <a:endParaRPr kumimoji="1" lang="ja-JP" altLang="en-US"/>
           </a:p>
@@ -3792,7 +3793,7 @@
           <a:p>
             <a:r>
               <a:rPr lang="en-US" altLang="ja-JP" dirty="0"/>
-              <a:t>2020/06</a:t>
+              <a:t>2020/06/08</a:t>
             </a:r>
             <a:r>
               <a:rPr lang="ja-JP" altLang="en-US" dirty="0"/>
@@ -3806,11 +3807,11 @@
           <a:p>
             <a:r>
               <a:rPr lang="en-US" altLang="ja-JP" dirty="0"/>
-              <a:t>(</a:t>
+              <a:t>(9</a:t>
             </a:r>
             <a:r>
               <a:rPr lang="ja-JP" altLang="en-US" dirty="0"/>
-              <a:t>オンライン開催・開催日程未定</a:t>
+              <a:t>月にオンライン議論セッション開催</a:t>
             </a:r>
             <a:r>
               <a:rPr lang="en-US" altLang="ja-JP" dirty="0"/>
@@ -5189,7 +5190,23 @@
             </a:r>
             <a:r>
               <a:rPr kumimoji="1" lang="ja-JP" altLang="en-US" dirty="0"/>
-              <a:t>。事前録画のトークの公開と対話型セッションを予定しています。</a:t>
+              <a:t>。事前録画のトークの公開と対話型セッションを予定しています</a:t>
+            </a:r>
+            <a:r>
+              <a:rPr kumimoji="1" lang="en-US" altLang="ja-JP" dirty="0"/>
+              <a:t>(</a:t>
+            </a:r>
+            <a:r>
+              <a:rPr kumimoji="1" lang="ja-JP" altLang="en-US" dirty="0"/>
+              <a:t>日程は最終ページ</a:t>
+            </a:r>
+            <a:r>
+              <a:rPr kumimoji="1" lang="en-US" altLang="ja-JP" dirty="0"/>
+              <a:t>)</a:t>
+            </a:r>
+            <a:r>
+              <a:rPr kumimoji="1" lang="ja-JP" altLang="en-US" dirty="0"/>
+              <a:t>。</a:t>
             </a:r>
             <a:endParaRPr kumimoji="1" lang="en-US" altLang="ja-JP" dirty="0"/>
           </a:p>
@@ -5460,6 +5477,421 @@
     <p:extLst>
       <p:ext uri="{BB962C8B-B14F-4D97-AF65-F5344CB8AC3E}">
         <p14:creationId xmlns:p14="http://schemas.microsoft.com/office/powerpoint/2010/main" val="1819824400"/>
+      </p:ext>
+    </p:extLst>
+  </p:cSld>
+  <p:clrMapOvr>
+    <a:masterClrMapping/>
+  </p:clrMapOvr>
+</p:sld>
+</file>
+
+<file path=ppt/slides/slide7.xml><?xml version="1.0" encoding="utf-8"?>
+<p:sld xmlns:a="http://schemas.openxmlformats.org/drawingml/2006/main" xmlns:r="http://schemas.openxmlformats.org/officeDocument/2006/relationships" xmlns:p="http://schemas.openxmlformats.org/presentationml/2006/main">
+  <p:cSld>
+    <p:spTree>
+      <p:nvGrpSpPr>
+        <p:cNvPr id="1" name=""/>
+        <p:cNvGrpSpPr/>
+        <p:nvPr/>
+      </p:nvGrpSpPr>
+      <p:grpSpPr>
+        <a:xfrm>
+          <a:off x="0" y="0"/>
+          <a:ext cx="0" cy="0"/>
+          <a:chOff x="0" y="0"/>
+          <a:chExt cx="0" cy="0"/>
+        </a:xfrm>
+      </p:grpSpPr>
+      <p:sp>
+        <p:nvSpPr>
+          <p:cNvPr id="2" name="タイトル 1">
+            <a:extLst>
+              <a:ext uri="{FF2B5EF4-FFF2-40B4-BE49-F238E27FC236}">
+                <a16:creationId xmlns:a16="http://schemas.microsoft.com/office/drawing/2014/main" id="{A8CB8C65-B342-4556-B277-30786B0F4B4B}"/>
+              </a:ext>
+            </a:extLst>
+          </p:cNvPr>
+          <p:cNvSpPr>
+            <a:spLocks noGrp="1"/>
+          </p:cNvSpPr>
+          <p:nvPr>
+            <p:ph type="title"/>
+          </p:nvPr>
+        </p:nvSpPr>
+        <p:spPr/>
+        <p:txBody>
+          <a:bodyPr>
+            <a:normAutofit/>
+          </a:bodyPr>
+          <a:lstStyle/>
+          <a:p>
+            <a:r>
+              <a:rPr kumimoji="1" lang="en-US" altLang="ja-JP" sz="3600" dirty="0"/>
+              <a:t>Web</a:t>
+            </a:r>
+            <a:r>
+              <a:rPr kumimoji="1" lang="ja-JP" altLang="en-US" sz="3600" dirty="0"/>
+              <a:t> </a:t>
+            </a:r>
+            <a:r>
+              <a:rPr kumimoji="1" lang="en-US" altLang="ja-JP" sz="3600" dirty="0"/>
+              <a:t>&amp;</a:t>
+            </a:r>
+            <a:r>
+              <a:rPr kumimoji="1" lang="ja-JP" altLang="en-US" sz="3600" dirty="0"/>
+              <a:t> </a:t>
+            </a:r>
+            <a:r>
+              <a:rPr kumimoji="1" lang="en-US" altLang="ja-JP" sz="3600" dirty="0"/>
+              <a:t>Machine</a:t>
+            </a:r>
+            <a:r>
+              <a:rPr kumimoji="1" lang="ja-JP" altLang="en-US" sz="3600" dirty="0"/>
+              <a:t> </a:t>
+            </a:r>
+            <a:r>
+              <a:rPr kumimoji="1" lang="en-US" altLang="ja-JP" sz="3600" dirty="0"/>
+              <a:t>Learning</a:t>
+            </a:r>
+            <a:r>
+              <a:rPr kumimoji="1" lang="ja-JP" altLang="en-US" sz="3600" dirty="0"/>
+              <a:t> </a:t>
+            </a:r>
+            <a:r>
+              <a:rPr kumimoji="1" lang="en-US" altLang="ja-JP" sz="3600" dirty="0"/>
+              <a:t>WS</a:t>
+            </a:r>
+            <a:r>
+              <a:rPr kumimoji="1" lang="ja-JP" altLang="en-US" sz="3600" dirty="0"/>
+              <a:t>の日程</a:t>
+            </a:r>
+          </a:p>
+        </p:txBody>
+      </p:sp>
+      <p:sp>
+        <p:nvSpPr>
+          <p:cNvPr id="3" name="コンテンツ プレースホルダー 2">
+            <a:extLst>
+              <a:ext uri="{FF2B5EF4-FFF2-40B4-BE49-F238E27FC236}">
+                <a16:creationId xmlns:a16="http://schemas.microsoft.com/office/drawing/2014/main" id="{C275271F-6B05-49C2-91CF-515087DB70FA}"/>
+              </a:ext>
+            </a:extLst>
+          </p:cNvPr>
+          <p:cNvSpPr>
+            <a:spLocks noGrp="1"/>
+          </p:cNvSpPr>
+          <p:nvPr>
+            <p:ph idx="1"/>
+          </p:nvPr>
+        </p:nvSpPr>
+        <p:spPr>
+          <a:xfrm>
+            <a:off x="628650" y="1825625"/>
+            <a:ext cx="8075084" cy="4609042"/>
+          </a:xfrm>
+        </p:spPr>
+        <p:txBody>
+          <a:bodyPr>
+            <a:normAutofit/>
+          </a:bodyPr>
+          <a:lstStyle/>
+          <a:p>
+            <a:pPr marL="0" indent="0">
+              <a:buNone/>
+            </a:pPr>
+            <a:r>
+              <a:rPr lang="ja-JP" altLang="en-US" sz="1800" dirty="0"/>
+              <a:t>以下の日程で開催予定です</a:t>
+            </a:r>
+            <a:endParaRPr lang="en-US" altLang="ja-JP" sz="1800" dirty="0"/>
+          </a:p>
+          <a:p>
+            <a:pPr marL="0" indent="0">
+              <a:buNone/>
+            </a:pPr>
+            <a:endParaRPr lang="en-US" altLang="ja-JP" sz="1800" dirty="0"/>
+          </a:p>
+          <a:p>
+            <a:r>
+              <a:rPr lang="en-US" altLang="ja-JP" sz="1800" dirty="0"/>
+              <a:t>2020</a:t>
+            </a:r>
+            <a:r>
+              <a:rPr lang="ja-JP" altLang="en-US" sz="1800" dirty="0"/>
+              <a:t>年</a:t>
+            </a:r>
+            <a:r>
+              <a:rPr lang="en-US" altLang="ja-JP" sz="1800" dirty="0"/>
+              <a:t>7</a:t>
+            </a:r>
+            <a:r>
+              <a:rPr lang="ja-JP" altLang="en-US" sz="1800" dirty="0"/>
+              <a:t>月</a:t>
+            </a:r>
+            <a:r>
+              <a:rPr lang="en-US" altLang="ja-JP" sz="1800" dirty="0"/>
+              <a:t>3</a:t>
+            </a:r>
+            <a:r>
+              <a:rPr lang="ja-JP" altLang="en-US" sz="1800" dirty="0"/>
+              <a:t>日</a:t>
+            </a:r>
+            <a:r>
+              <a:rPr lang="en-US" altLang="ja-JP" sz="1800" dirty="0"/>
+              <a:t>:</a:t>
+            </a:r>
+            <a:r>
+              <a:rPr lang="ja-JP" altLang="en-US" sz="1800" dirty="0"/>
+              <a:t> 講演応募締切</a:t>
+            </a:r>
+            <a:endParaRPr lang="en-US" altLang="ja-JP" sz="1800" dirty="0"/>
+          </a:p>
+          <a:p>
+            <a:pPr lvl="1"/>
+            <a:r>
+              <a:rPr lang="ja-JP" altLang="en-US" sz="1400" dirty="0"/>
+              <a:t>詳細</a:t>
+            </a:r>
+            <a:r>
+              <a:rPr lang="en-US" altLang="ja-JP" sz="1400" dirty="0"/>
+              <a:t>:</a:t>
+            </a:r>
+            <a:r>
+              <a:rPr lang="ja-JP" altLang="en-US" sz="1400" dirty="0"/>
+              <a:t> </a:t>
+            </a:r>
+            <a:r>
+              <a:rPr lang="en-US" altLang="ja-JP" sz="1400" dirty="0">
+                <a:hlinkClick r:id="rId2"/>
+              </a:rPr>
+              <a:t>https://www.w3.org/2020/06/machine-learning-workshop/speakers_ja.html#submit</a:t>
+            </a:r>
+            <a:endParaRPr lang="en-US" altLang="ja-JP" sz="1400" dirty="0"/>
+          </a:p>
+          <a:p>
+            <a:pPr lvl="1"/>
+            <a:r>
+              <a:rPr lang="ja-JP" altLang="en-US" sz="1400" dirty="0"/>
+              <a:t>記載のアドレスにメールで</a:t>
+            </a:r>
+            <a:r>
+              <a:rPr lang="en-US" altLang="ja-JP" sz="1400" dirty="0"/>
+              <a:t>(</a:t>
+            </a:r>
+            <a:r>
+              <a:rPr lang="ja-JP" altLang="en-US" sz="1400" dirty="0"/>
+              <a:t>早めに</a:t>
+            </a:r>
+            <a:r>
+              <a:rPr lang="en-US" altLang="ja-JP" sz="1400" dirty="0"/>
+              <a:t>)</a:t>
+            </a:r>
+            <a:r>
+              <a:rPr lang="ja-JP" altLang="en-US" sz="1400" dirty="0"/>
+              <a:t>コンタクトをお願いします</a:t>
+            </a:r>
+          </a:p>
+          <a:p>
+            <a:r>
+              <a:rPr lang="en-US" altLang="ja-JP" sz="1800" dirty="0"/>
+              <a:t>2020</a:t>
+            </a:r>
+            <a:r>
+              <a:rPr lang="ja-JP" altLang="en-US" sz="1800" dirty="0"/>
+              <a:t>年</a:t>
+            </a:r>
+            <a:r>
+              <a:rPr lang="en-US" altLang="ja-JP" sz="1800" dirty="0"/>
+              <a:t>7</a:t>
+            </a:r>
+            <a:r>
+              <a:rPr lang="ja-JP" altLang="en-US" sz="1800" dirty="0"/>
+              <a:t>月</a:t>
+            </a:r>
+            <a:r>
+              <a:rPr lang="en-US" altLang="ja-JP" sz="1800" dirty="0"/>
+              <a:t>6</a:t>
+            </a:r>
+            <a:r>
+              <a:rPr lang="ja-JP" altLang="en-US" sz="1800" dirty="0"/>
+              <a:t>日</a:t>
+            </a:r>
+            <a:r>
+              <a:rPr lang="en-US" altLang="ja-JP" sz="1800" dirty="0"/>
+              <a:t>:</a:t>
+            </a:r>
+            <a:r>
+              <a:rPr lang="ja-JP" altLang="en-US" sz="1800" dirty="0"/>
+              <a:t> 講演採択通知</a:t>
+            </a:r>
+          </a:p>
+          <a:p>
+            <a:r>
+              <a:rPr lang="en-US" altLang="ja-JP" sz="1800" dirty="0"/>
+              <a:t>2020</a:t>
+            </a:r>
+            <a:r>
+              <a:rPr lang="ja-JP" altLang="en-US" sz="1800" dirty="0"/>
+              <a:t>年</a:t>
+            </a:r>
+            <a:r>
+              <a:rPr lang="en-US" altLang="ja-JP" sz="1800" dirty="0"/>
+              <a:t>7</a:t>
+            </a:r>
+            <a:r>
+              <a:rPr lang="ja-JP" altLang="en-US" sz="1800" dirty="0"/>
+              <a:t>月</a:t>
+            </a:r>
+            <a:r>
+              <a:rPr lang="en-US" altLang="ja-JP" sz="1800" dirty="0"/>
+              <a:t>31</a:t>
+            </a:r>
+            <a:r>
+              <a:rPr lang="ja-JP" altLang="en-US" sz="1800" dirty="0"/>
+              <a:t>日</a:t>
+            </a:r>
+            <a:r>
+              <a:rPr lang="en-US" altLang="ja-JP" sz="1800" dirty="0"/>
+              <a:t>:</a:t>
+            </a:r>
+            <a:r>
+              <a:rPr lang="ja-JP" altLang="en-US" sz="1800" dirty="0"/>
+              <a:t> 録画した講演の動画投稿締切</a:t>
+            </a:r>
+          </a:p>
+          <a:p>
+            <a:r>
+              <a:rPr lang="en-US" altLang="ja-JP" sz="1800" dirty="0"/>
+              <a:t>2020</a:t>
+            </a:r>
+            <a:r>
+              <a:rPr lang="ja-JP" altLang="en-US" sz="1800" dirty="0"/>
+              <a:t>年</a:t>
+            </a:r>
+            <a:r>
+              <a:rPr lang="en-US" altLang="ja-JP" sz="1800" dirty="0"/>
+              <a:t>8</a:t>
+            </a:r>
+            <a:r>
+              <a:rPr lang="ja-JP" altLang="en-US" sz="1800" dirty="0"/>
+              <a:t>月</a:t>
+            </a:r>
+            <a:r>
+              <a:rPr lang="en-US" altLang="ja-JP" sz="1800" dirty="0"/>
+              <a:t>14</a:t>
+            </a:r>
+            <a:r>
+              <a:rPr lang="ja-JP" altLang="en-US" sz="1800" dirty="0"/>
+              <a:t>日</a:t>
+            </a:r>
+            <a:r>
+              <a:rPr lang="en-US" altLang="ja-JP" sz="1800" dirty="0"/>
+              <a:t>:</a:t>
+            </a:r>
+            <a:r>
+              <a:rPr lang="ja-JP" altLang="en-US" sz="1800" dirty="0"/>
+              <a:t> ワークショップ参加登録締切</a:t>
+            </a:r>
+            <a:endParaRPr lang="en-US" altLang="ja-JP" sz="1800" dirty="0"/>
+          </a:p>
+          <a:p>
+            <a:pPr lvl="1"/>
+            <a:r>
+              <a:rPr lang="ja-JP" altLang="en-US" sz="1400" dirty="0"/>
+              <a:t>登録先</a:t>
+            </a:r>
+            <a:r>
+              <a:rPr lang="en-US" altLang="ja-JP" sz="1400" dirty="0"/>
+              <a:t>:</a:t>
+            </a:r>
+            <a:r>
+              <a:rPr lang="ja-JP" altLang="en-US" sz="1400" dirty="0"/>
+              <a:t> </a:t>
+            </a:r>
+            <a:r>
+              <a:rPr lang="en-US" altLang="ja-JP" sz="1400" dirty="0">
+                <a:hlinkClick r:id="rId3"/>
+              </a:rPr>
+              <a:t>https://ti.to/w3c/web-machine-learning-virtual-workshop</a:t>
+            </a:r>
+            <a:endParaRPr lang="ja-JP" altLang="en-US" sz="1400" dirty="0"/>
+          </a:p>
+          <a:p>
+            <a:r>
+              <a:rPr lang="en-US" altLang="ja-JP" sz="1800" dirty="0"/>
+              <a:t>2020</a:t>
+            </a:r>
+            <a:r>
+              <a:rPr lang="ja-JP" altLang="en-US" sz="1800" dirty="0"/>
+              <a:t>年</a:t>
+            </a:r>
+            <a:r>
+              <a:rPr lang="en-US" altLang="ja-JP" sz="1800" dirty="0"/>
+              <a:t>8</a:t>
+            </a:r>
+            <a:r>
+              <a:rPr lang="ja-JP" altLang="en-US" sz="1800" dirty="0"/>
+              <a:t>月</a:t>
+            </a:r>
+            <a:r>
+              <a:rPr lang="en-US" altLang="ja-JP" sz="1800" dirty="0"/>
+              <a:t>17</a:t>
+            </a:r>
+            <a:r>
+              <a:rPr lang="ja-JP" altLang="en-US" sz="1800" dirty="0"/>
+              <a:t>日</a:t>
+            </a:r>
+            <a:r>
+              <a:rPr lang="en-US" altLang="ja-JP" sz="1800" dirty="0"/>
+              <a:t>:</a:t>
+            </a:r>
+            <a:r>
+              <a:rPr lang="ja-JP" altLang="en-US" sz="1800" dirty="0"/>
+              <a:t> 講演動画公開日</a:t>
+            </a:r>
+          </a:p>
+          <a:p>
+            <a:r>
+              <a:rPr lang="en-US" altLang="ja-JP" sz="1800" dirty="0"/>
+              <a:t>2020</a:t>
+            </a:r>
+            <a:r>
+              <a:rPr lang="ja-JP" altLang="en-US" sz="1800" dirty="0"/>
+              <a:t>年</a:t>
+            </a:r>
+            <a:r>
+              <a:rPr lang="en-US" altLang="ja-JP" sz="1800" dirty="0"/>
+              <a:t>9</a:t>
+            </a:r>
+            <a:r>
+              <a:rPr lang="ja-JP" altLang="en-US" sz="1800" dirty="0"/>
+              <a:t>月</a:t>
+            </a:r>
+            <a:r>
+              <a:rPr lang="en-US" altLang="ja-JP" sz="1800" dirty="0"/>
+              <a:t>:</a:t>
+            </a:r>
+            <a:r>
+              <a:rPr lang="ja-JP" altLang="en-US" sz="1800" dirty="0"/>
+              <a:t> </a:t>
+            </a:r>
+            <a:r>
+              <a:rPr lang="en-US" altLang="ja-JP" sz="1800" dirty="0"/>
+              <a:t>4</a:t>
+            </a:r>
+            <a:r>
+              <a:rPr lang="ja-JP" altLang="en-US" sz="1800" dirty="0"/>
+              <a:t>回のライブセッション開催 </a:t>
+            </a:r>
+            <a:endParaRPr kumimoji="1" lang="en-US" altLang="ja-JP" sz="1800" dirty="0"/>
+          </a:p>
+        </p:txBody>
+      </p:sp>
+    </p:spTree>
+    <p:extLst>
+      <p:ext uri="{BB962C8B-B14F-4D97-AF65-F5344CB8AC3E}">
+        <p14:creationId xmlns:p14="http://schemas.microsoft.com/office/powerpoint/2010/main" val="1861389654"/>
       </p:ext>
     </p:extLst>
   </p:cSld>
